--- a/documents/Poster.pptx
+++ b/documents/Poster.pptx
@@ -304,7 +304,7 @@
           <a:p>
             <a:fld id="{05FEA8FE-D641-4303-A15A-742BD41CD1B3}" type="datetimeFigureOut">
               <a:rPr lang="es-CO" smtClean="0"/>
-              <a:t>23/10/2016</a:t>
+              <a:t>30/10/2016</a:t>
             </a:fld>
             <a:endParaRPr lang="es-CO"/>
           </a:p>
@@ -474,7 +474,7 @@
           <a:p>
             <a:fld id="{05FEA8FE-D641-4303-A15A-742BD41CD1B3}" type="datetimeFigureOut">
               <a:rPr lang="es-CO" smtClean="0"/>
-              <a:t>23/10/2016</a:t>
+              <a:t>30/10/2016</a:t>
             </a:fld>
             <a:endParaRPr lang="es-CO"/>
           </a:p>
@@ -654,7 +654,7 @@
           <a:p>
             <a:fld id="{05FEA8FE-D641-4303-A15A-742BD41CD1B3}" type="datetimeFigureOut">
               <a:rPr lang="es-CO" smtClean="0"/>
-              <a:t>23/10/2016</a:t>
+              <a:t>30/10/2016</a:t>
             </a:fld>
             <a:endParaRPr lang="es-CO"/>
           </a:p>
@@ -824,7 +824,7 @@
           <a:p>
             <a:fld id="{05FEA8FE-D641-4303-A15A-742BD41CD1B3}" type="datetimeFigureOut">
               <a:rPr lang="es-CO" smtClean="0"/>
-              <a:t>23/10/2016</a:t>
+              <a:t>30/10/2016</a:t>
             </a:fld>
             <a:endParaRPr lang="es-CO"/>
           </a:p>
@@ -1070,7 +1070,7 @@
           <a:p>
             <a:fld id="{05FEA8FE-D641-4303-A15A-742BD41CD1B3}" type="datetimeFigureOut">
               <a:rPr lang="es-CO" smtClean="0"/>
-              <a:t>23/10/2016</a:t>
+              <a:t>30/10/2016</a:t>
             </a:fld>
             <a:endParaRPr lang="es-CO"/>
           </a:p>
@@ -1358,7 +1358,7 @@
           <a:p>
             <a:fld id="{05FEA8FE-D641-4303-A15A-742BD41CD1B3}" type="datetimeFigureOut">
               <a:rPr lang="es-CO" smtClean="0"/>
-              <a:t>23/10/2016</a:t>
+              <a:t>30/10/2016</a:t>
             </a:fld>
             <a:endParaRPr lang="es-CO"/>
           </a:p>
@@ -1785,7 +1785,7 @@
           <a:p>
             <a:fld id="{05FEA8FE-D641-4303-A15A-742BD41CD1B3}" type="datetimeFigureOut">
               <a:rPr lang="es-CO" smtClean="0"/>
-              <a:t>23/10/2016</a:t>
+              <a:t>30/10/2016</a:t>
             </a:fld>
             <a:endParaRPr lang="es-CO"/>
           </a:p>
@@ -1903,7 +1903,7 @@
           <a:p>
             <a:fld id="{05FEA8FE-D641-4303-A15A-742BD41CD1B3}" type="datetimeFigureOut">
               <a:rPr lang="es-CO" smtClean="0"/>
-              <a:t>23/10/2016</a:t>
+              <a:t>30/10/2016</a:t>
             </a:fld>
             <a:endParaRPr lang="es-CO"/>
           </a:p>
@@ -1998,7 +1998,7 @@
           <a:p>
             <a:fld id="{05FEA8FE-D641-4303-A15A-742BD41CD1B3}" type="datetimeFigureOut">
               <a:rPr lang="es-CO" smtClean="0"/>
-              <a:t>23/10/2016</a:t>
+              <a:t>30/10/2016</a:t>
             </a:fld>
             <a:endParaRPr lang="es-CO"/>
           </a:p>
@@ -2275,7 +2275,7 @@
           <a:p>
             <a:fld id="{05FEA8FE-D641-4303-A15A-742BD41CD1B3}" type="datetimeFigureOut">
               <a:rPr lang="es-CO" smtClean="0"/>
-              <a:t>23/10/2016</a:t>
+              <a:t>30/10/2016</a:t>
             </a:fld>
             <a:endParaRPr lang="es-CO"/>
           </a:p>
@@ -2528,7 +2528,7 @@
           <a:p>
             <a:fld id="{05FEA8FE-D641-4303-A15A-742BD41CD1B3}" type="datetimeFigureOut">
               <a:rPr lang="es-CO" smtClean="0"/>
-              <a:t>23/10/2016</a:t>
+              <a:t>30/10/2016</a:t>
             </a:fld>
             <a:endParaRPr lang="es-CO"/>
           </a:p>
@@ -2741,7 +2741,7 @@
           <a:p>
             <a:fld id="{05FEA8FE-D641-4303-A15A-742BD41CD1B3}" type="datetimeFigureOut">
               <a:rPr lang="es-CO" smtClean="0"/>
-              <a:t>23/10/2016</a:t>
+              <a:t>30/10/2016</a:t>
             </a:fld>
             <a:endParaRPr lang="es-CO"/>
           </a:p>
@@ -4428,7 +4428,7 @@
       </p:sp>
       <p:pic>
         <p:nvPicPr>
-          <p:cNvPr id="38" name="Imagen 37"/>
+          <p:cNvPr id="39" name="Imagen 38"/>
           <p:cNvPicPr>
             <a:picLocks noChangeAspect="1"/>
           </p:cNvPicPr>
@@ -4436,30 +4436,6 @@
         </p:nvPicPr>
         <p:blipFill>
           <a:blip r:embed="rId5"/>
-          <a:stretch>
-            <a:fillRect/>
-          </a:stretch>
-        </p:blipFill>
-        <p:spPr>
-          <a:xfrm>
-            <a:off x="9074928" y="5230671"/>
-            <a:ext cx="1566773" cy="3784901"/>
-          </a:xfrm>
-          <a:prstGeom prst="rect">
-            <a:avLst/>
-          </a:prstGeom>
-        </p:spPr>
-      </p:pic>
-      <p:pic>
-        <p:nvPicPr>
-          <p:cNvPr id="39" name="Imagen 38"/>
-          <p:cNvPicPr>
-            <a:picLocks noChangeAspect="1"/>
-          </p:cNvPicPr>
-          <p:nvPr/>
-        </p:nvPicPr>
-        <p:blipFill>
-          <a:blip r:embed="rId6"/>
           <a:stretch>
             <a:fillRect/>
           </a:stretch>
@@ -4483,7 +4459,7 @@
           <p:nvPr/>
         </p:nvPicPr>
         <p:blipFill>
-          <a:blip r:embed="rId7"/>
+          <a:blip r:embed="rId6"/>
           <a:stretch>
             <a:fillRect/>
           </a:stretch>
@@ -4521,7 +4497,7 @@
             <p:nvPr/>
           </p:nvPicPr>
           <p:blipFill>
-            <a:blip r:embed="rId8"/>
+            <a:blip r:embed="rId7"/>
             <a:stretch>
               <a:fillRect/>
             </a:stretch>
@@ -4588,7 +4564,7 @@
             <p:nvPr/>
           </p:nvPicPr>
           <p:blipFill>
-            <a:blip r:embed="rId9"/>
+            <a:blip r:embed="rId8"/>
             <a:stretch>
               <a:fillRect/>
             </a:stretch>
@@ -4646,7 +4622,7 @@
           <p:nvPr/>
         </p:nvPicPr>
         <p:blipFill>
-          <a:blip r:embed="rId10"/>
+          <a:blip r:embed="rId9"/>
           <a:stretch>
             <a:fillRect/>
           </a:stretch>
@@ -4655,6 +4631,36 @@
           <a:xfrm>
             <a:off x="21074907" y="19092774"/>
             <a:ext cx="12158917" cy="16074909"/>
+          </a:xfrm>
+          <a:prstGeom prst="rect">
+            <a:avLst/>
+          </a:prstGeom>
+        </p:spPr>
+      </p:pic>
+      <p:pic>
+        <p:nvPicPr>
+          <p:cNvPr id="3" name="Imagen 2"/>
+          <p:cNvPicPr>
+            <a:picLocks noChangeAspect="1"/>
+          </p:cNvPicPr>
+          <p:nvPr/>
+        </p:nvPicPr>
+        <p:blipFill>
+          <a:blip r:embed="rId10">
+            <a:extLst>
+              <a:ext uri="{28A0092B-C50C-407E-A947-70E740481C1C}">
+                <a14:useLocalDpi xmlns:a14="http://schemas.microsoft.com/office/drawing/2010/main" val="0"/>
+              </a:ext>
+            </a:extLst>
+          </a:blip>
+          <a:stretch>
+            <a:fillRect/>
+          </a:stretch>
+        </p:blipFill>
+        <p:spPr>
+          <a:xfrm>
+            <a:off x="7530758" y="5193996"/>
+            <a:ext cx="2829097" cy="3846300"/>
           </a:xfrm>
           <a:prstGeom prst="rect">
             <a:avLst/>
